--- a/Iteration_2/CSE6324_Team1_Iteration2.pptx
+++ b/Iteration_2/CSE6324_Team1_Iteration2.pptx
@@ -4450,7 +4450,7 @@
           <a:p>
             <a:fld id="{9BB13BBB-6B5B-4727-8C97-4EFCBA69D7AE}" type="datetimeFigureOut">
               <a:rPr lang="en-US" smtClean="0"/>
-              <a:t>4/3/2023</a:t>
+              <a:t>4/5/2023</a:t>
             </a:fld>
             <a:endParaRPr lang="en-US"/>
           </a:p>
@@ -5014,7 +5014,7 @@
           <a:p>
             <a:fld id="{C764DE79-268F-4C1A-8933-263129D2AF90}" type="datetimeFigureOut">
               <a:rPr lang="en-US" dirty="0"/>
-              <a:t>4/3/2023</a:t>
+              <a:t>4/5/2023</a:t>
             </a:fld>
             <a:endParaRPr lang="en-US"/>
           </a:p>
@@ -5183,7 +5183,7 @@
           <a:p>
             <a:fld id="{C764DE79-268F-4C1A-8933-263129D2AF90}" type="datetimeFigureOut">
               <a:rPr lang="en-US" dirty="0"/>
-              <a:t>4/3/2023</a:t>
+              <a:t>4/5/2023</a:t>
             </a:fld>
             <a:endParaRPr lang="en-US"/>
           </a:p>
@@ -5362,7 +5362,7 @@
           <a:p>
             <a:fld id="{C764DE79-268F-4C1A-8933-263129D2AF90}" type="datetimeFigureOut">
               <a:rPr lang="en-US" dirty="0"/>
-              <a:t>4/3/2023</a:t>
+              <a:t>4/5/2023</a:t>
             </a:fld>
             <a:endParaRPr lang="en-US"/>
           </a:p>
@@ -5531,7 +5531,7 @@
           <a:p>
             <a:fld id="{C764DE79-268F-4C1A-8933-263129D2AF90}" type="datetimeFigureOut">
               <a:rPr lang="en-US" dirty="0"/>
-              <a:t>4/3/2023</a:t>
+              <a:t>4/5/2023</a:t>
             </a:fld>
             <a:endParaRPr lang="en-US"/>
           </a:p>
@@ -5777,7 +5777,7 @@
           <a:p>
             <a:fld id="{C764DE79-268F-4C1A-8933-263129D2AF90}" type="datetimeFigureOut">
               <a:rPr lang="en-US" dirty="0"/>
-              <a:t>4/3/2023</a:t>
+              <a:t>4/5/2023</a:t>
             </a:fld>
             <a:endParaRPr lang="en-US"/>
           </a:p>
@@ -6007,7 +6007,7 @@
           <a:p>
             <a:fld id="{C764DE79-268F-4C1A-8933-263129D2AF90}" type="datetimeFigureOut">
               <a:rPr lang="en-US" dirty="0"/>
-              <a:t>4/3/2023</a:t>
+              <a:t>4/5/2023</a:t>
             </a:fld>
             <a:endParaRPr lang="en-US"/>
           </a:p>
@@ -6372,7 +6372,7 @@
           <a:p>
             <a:fld id="{C764DE79-268F-4C1A-8933-263129D2AF90}" type="datetimeFigureOut">
               <a:rPr lang="en-US" dirty="0"/>
-              <a:t>4/3/2023</a:t>
+              <a:t>4/5/2023</a:t>
             </a:fld>
             <a:endParaRPr lang="en-US"/>
           </a:p>
@@ -6490,7 +6490,7 @@
           <a:p>
             <a:fld id="{C764DE79-268F-4C1A-8933-263129D2AF90}" type="datetimeFigureOut">
               <a:rPr lang="en-US" dirty="0"/>
-              <a:t>4/3/2023</a:t>
+              <a:t>4/5/2023</a:t>
             </a:fld>
             <a:endParaRPr lang="en-US"/>
           </a:p>
@@ -6586,7 +6586,7 @@
           <a:p>
             <a:fld id="{C764DE79-268F-4C1A-8933-263129D2AF90}" type="datetimeFigureOut">
               <a:rPr lang="en-US" dirty="0"/>
-              <a:t>4/3/2023</a:t>
+              <a:t>4/5/2023</a:t>
             </a:fld>
             <a:endParaRPr lang="en-US"/>
           </a:p>
@@ -6862,7 +6862,7 @@
           <a:p>
             <a:fld id="{C764DE79-268F-4C1A-8933-263129D2AF90}" type="datetimeFigureOut">
               <a:rPr lang="en-US" dirty="0"/>
-              <a:t>4/3/2023</a:t>
+              <a:t>4/5/2023</a:t>
             </a:fld>
             <a:endParaRPr lang="en-US"/>
           </a:p>
@@ -7115,7 +7115,7 @@
           <a:p>
             <a:fld id="{C764DE79-268F-4C1A-8933-263129D2AF90}" type="datetimeFigureOut">
               <a:rPr lang="en-US" dirty="0"/>
-              <a:t>4/3/2023</a:t>
+              <a:t>4/5/2023</a:t>
             </a:fld>
             <a:endParaRPr lang="en-US"/>
           </a:p>
@@ -7327,7 +7327,7 @@
           <a:p>
             <a:fld id="{C764DE79-268F-4C1A-8933-263129D2AF90}" type="datetimeFigureOut">
               <a:rPr lang="en-US" dirty="0"/>
-              <a:t>4/3/2023</a:t>
+              <a:t>4/5/2023</a:t>
             </a:fld>
             <a:endParaRPr lang="en-US"/>
           </a:p>
@@ -9810,7 +9810,7 @@
           <p:nvPr>
             <p:extLst>
               <p:ext uri="{D42A27DB-BD31-4B8C-83A1-F6EECF244321}">
-                <p14:modId xmlns:p14="http://schemas.microsoft.com/office/powerpoint/2010/main" val="2169219362"/>
+                <p14:modId xmlns:p14="http://schemas.microsoft.com/office/powerpoint/2010/main" val="3631508607"/>
               </p:ext>
             </p:extLst>
           </p:nvPr>
@@ -10002,7 +10002,7 @@
                           <a:latin typeface="+mn-lt"/>
                           <a:ea typeface="Times New Roman" panose="02020603050405020304" pitchFamily="18" charset="0"/>
                         </a:rPr>
-                        <a:t> (CSE 6324-Team8)</a:t>
+                        <a:t> </a:t>
                       </a:r>
                       <a:endParaRPr lang="en-US" sz="1800" dirty="0">
                         <a:effectLst/>
